--- a/0003-TypeScriptBeginner/TS Presentation.pptx
+++ b/0003-TypeScriptBeginner/TS Presentation.pptx
@@ -10,6 +10,7 @@
     <p:sldId id="262" r:id="rId4"/>
     <p:sldId id="259" r:id="rId5"/>
     <p:sldId id="261" r:id="rId6"/>
+    <p:sldId id="263" r:id="rId7"/>
   </p:sldIdLst>
   <p:sldSz cx="12192000" cy="6858000"/>
   <p:notesSz cx="6858000" cy="9144000"/>
@@ -108,6 +109,11 @@
       </a:defRPr>
     </a:lvl9pPr>
   </p:defaultTextStyle>
+  <p:extLst>
+    <p:ext uri="{EFAFB233-063F-42B5-8137-9DF3F51BA10A}">
+      <p15:sldGuideLst xmlns:p15="http://schemas.microsoft.com/office/powerpoint/2012/main"/>
+    </p:ext>
+  </p:extLst>
 </p:presentation>
 </file>
 
@@ -5585,6 +5591,545 @@
 </p:sld>
 </file>
 
+<file path=ppt/slides/slide6.xml><?xml version="1.0" encoding="utf-8"?>
+<p:sld xmlns:a="http://schemas.openxmlformats.org/drawingml/2006/main" xmlns:r="http://schemas.openxmlformats.org/officeDocument/2006/relationships" xmlns:p="http://schemas.openxmlformats.org/presentationml/2006/main">
+  <p:cSld>
+    <p:bg>
+      <p:bgPr>
+        <a:solidFill>
+          <a:schemeClr val="bg1"/>
+        </a:solidFill>
+        <a:effectLst/>
+      </p:bgPr>
+    </p:bg>
+    <p:spTree>
+      <p:nvGrpSpPr>
+        <p:cNvPr id="1" name=""/>
+        <p:cNvGrpSpPr/>
+        <p:nvPr/>
+      </p:nvGrpSpPr>
+      <p:grpSpPr>
+        <a:xfrm>
+          <a:off x="0" y="0"/>
+          <a:ext cx="0" cy="0"/>
+          <a:chOff x="0" y="0"/>
+          <a:chExt cx="0" cy="0"/>
+        </a:xfrm>
+      </p:grpSpPr>
+      <p:sp useBgFill="1">
+        <p:nvSpPr>
+          <p:cNvPr id="11" name="Rectangle 10">
+            <a:extLst>
+              <a:ext uri="{FF2B5EF4-FFF2-40B4-BE49-F238E27FC236}">
+                <a16:creationId xmlns:a16="http://schemas.microsoft.com/office/drawing/2014/main" id="{3B854194-185D-494D-905C-7C7CB2E30F6E}"/>
+              </a:ext>
+              <a:ext uri="{C183D7F6-B498-43B3-948B-1728B52AA6E4}">
+                <adec:decorative xmlns:adec="http://schemas.microsoft.com/office/drawing/2017/decorative" val="1"/>
+              </a:ext>
+            </a:extLst>
+          </p:cNvPr>
+          <p:cNvSpPr>
+            <a:spLocks noGrp="1" noRot="1" noChangeAspect="1" noMove="1" noResize="1" noEditPoints="1" noAdjustHandles="1" noChangeArrowheads="1" noChangeShapeType="1" noTextEdit="1"/>
+          </p:cNvSpPr>
+          <p:nvPr>
+            <p:extLst>
+              <p:ext uri="{386F3935-93C4-4BCD-93E2-E3B085C9AB24}">
+                <p16:designElem xmlns:p16="http://schemas.microsoft.com/office/powerpoint/2015/main" val="1"/>
+              </p:ext>
+            </p:extLst>
+          </p:nvPr>
+        </p:nvSpPr>
+        <p:spPr>
+          <a:xfrm>
+            <a:off x="1" y="0"/>
+            <a:ext cx="6082110" cy="6858000"/>
+          </a:xfrm>
+          <a:prstGeom prst="rect">
+            <a:avLst/>
+          </a:prstGeom>
+          <a:ln>
+            <a:noFill/>
+          </a:ln>
+        </p:spPr>
+        <p:style>
+          <a:lnRef idx="2">
+            <a:schemeClr val="accent1">
+              <a:shade val="50000"/>
+            </a:schemeClr>
+          </a:lnRef>
+          <a:fillRef idx="1">
+            <a:schemeClr val="accent1"/>
+          </a:fillRef>
+          <a:effectRef idx="0">
+            <a:schemeClr val="accent1"/>
+          </a:effectRef>
+          <a:fontRef idx="minor">
+            <a:schemeClr val="lt1"/>
+          </a:fontRef>
+        </p:style>
+        <p:txBody>
+          <a:bodyPr rtlCol="0" anchor="ctr"/>
+          <a:lstStyle/>
+          <a:p>
+            <a:pPr marL="0" marR="0" lvl="0" indent="0" algn="ctr" defTabSz="914400" rtl="0" eaLnBrk="1" fontAlgn="auto" latinLnBrk="0" hangingPunct="1">
+              <a:lnSpc>
+                <a:spcPct val="100000"/>
+              </a:lnSpc>
+              <a:spcBef>
+                <a:spcPts val="0"/>
+              </a:spcBef>
+              <a:spcAft>
+                <a:spcPts val="0"/>
+              </a:spcAft>
+              <a:buClrTx/>
+              <a:buSzTx/>
+              <a:buFontTx/>
+              <a:buNone/>
+              <a:tabLst/>
+              <a:defRPr/>
+            </a:pPr>
+            <a:endParaRPr kumimoji="0" lang="en-US" sz="1800" b="0" i="0" u="none" strike="noStrike" kern="1200" cap="none" spc="0" normalizeH="0" baseline="0" noProof="0">
+              <a:ln>
+                <a:noFill/>
+              </a:ln>
+              <a:solidFill>
+                <a:prstClr val="white"/>
+              </a:solidFill>
+              <a:effectLst/>
+              <a:uLnTx/>
+              <a:uFillTx/>
+              <a:latin typeface="Calibri" panose="020F0502020204030204"/>
+              <a:ea typeface="+mn-ea"/>
+              <a:cs typeface="+mn-cs"/>
+            </a:endParaRPr>
+          </a:p>
+        </p:txBody>
+      </p:sp>
+      <p:sp>
+        <p:nvSpPr>
+          <p:cNvPr id="13" name="Rectangle 12">
+            <a:extLst>
+              <a:ext uri="{FF2B5EF4-FFF2-40B4-BE49-F238E27FC236}">
+                <a16:creationId xmlns:a16="http://schemas.microsoft.com/office/drawing/2014/main" id="{B4F5FA0D-0104-4987-8241-EFF7C85B88DE}"/>
+              </a:ext>
+              <a:ext uri="{C183D7F6-B498-43B3-948B-1728B52AA6E4}">
+                <adec:decorative xmlns:adec="http://schemas.microsoft.com/office/drawing/2017/decorative" val="1"/>
+              </a:ext>
+            </a:extLst>
+          </p:cNvPr>
+          <p:cNvSpPr>
+            <a:spLocks noGrp="1" noRot="1" noChangeAspect="1" noMove="1" noResize="1" noEditPoints="1" noAdjustHandles="1" noChangeArrowheads="1" noChangeShapeType="1" noTextEdit="1"/>
+          </p:cNvSpPr>
+          <p:nvPr>
+            <p:extLst>
+              <p:ext uri="{386F3935-93C4-4BCD-93E2-E3B085C9AB24}">
+                <p16:designElem xmlns:p16="http://schemas.microsoft.com/office/powerpoint/2015/main" val="1"/>
+              </p:ext>
+            </p:extLst>
+          </p:nvPr>
+        </p:nvSpPr>
+        <p:spPr>
+          <a:xfrm>
+            <a:off x="1" y="0"/>
+            <a:ext cx="12191998" cy="6858000"/>
+          </a:xfrm>
+          <a:prstGeom prst="rect">
+            <a:avLst/>
+          </a:prstGeom>
+          <a:gradFill>
+            <a:gsLst>
+              <a:gs pos="0">
+                <a:schemeClr val="accent1">
+                  <a:lumMod val="90000"/>
+                </a:schemeClr>
+              </a:gs>
+              <a:gs pos="25000">
+                <a:schemeClr val="accent1">
+                  <a:lumMod val="90000"/>
+                </a:schemeClr>
+              </a:gs>
+              <a:gs pos="94000">
+                <a:schemeClr val="bg2">
+                  <a:lumMod val="25000"/>
+                </a:schemeClr>
+              </a:gs>
+              <a:gs pos="100000">
+                <a:schemeClr val="bg2">
+                  <a:lumMod val="25000"/>
+                </a:schemeClr>
+              </a:gs>
+            </a:gsLst>
+            <a:lin ang="4200000" scaled="0"/>
+          </a:gradFill>
+          <a:ln>
+            <a:noFill/>
+          </a:ln>
+        </p:spPr>
+        <p:style>
+          <a:lnRef idx="2">
+            <a:schemeClr val="accent1">
+              <a:shade val="50000"/>
+            </a:schemeClr>
+          </a:lnRef>
+          <a:fillRef idx="1">
+            <a:schemeClr val="accent1"/>
+          </a:fillRef>
+          <a:effectRef idx="0">
+            <a:schemeClr val="accent1"/>
+          </a:effectRef>
+          <a:fontRef idx="minor">
+            <a:schemeClr val="lt1"/>
+          </a:fontRef>
+        </p:style>
+        <p:txBody>
+          <a:bodyPr rtlCol="0" anchor="ctr"/>
+          <a:lstStyle/>
+          <a:p>
+            <a:pPr marL="0" marR="0" lvl="0" indent="0" algn="ctr" defTabSz="914400" rtl="0" eaLnBrk="1" fontAlgn="auto" latinLnBrk="0" hangingPunct="1">
+              <a:lnSpc>
+                <a:spcPct val="100000"/>
+              </a:lnSpc>
+              <a:spcBef>
+                <a:spcPts val="0"/>
+              </a:spcBef>
+              <a:spcAft>
+                <a:spcPts val="0"/>
+              </a:spcAft>
+              <a:buClrTx/>
+              <a:buSzTx/>
+              <a:buFontTx/>
+              <a:buNone/>
+              <a:tabLst/>
+              <a:defRPr/>
+            </a:pPr>
+            <a:endParaRPr kumimoji="0" lang="en-US" sz="1800" b="0" i="0" u="none" strike="noStrike" kern="1200" cap="none" spc="0" normalizeH="0" baseline="0" noProof="0">
+              <a:ln>
+                <a:noFill/>
+              </a:ln>
+              <a:solidFill>
+                <a:prstClr val="white"/>
+              </a:solidFill>
+              <a:effectLst/>
+              <a:uLnTx/>
+              <a:uFillTx/>
+              <a:latin typeface="Calibri" panose="020F0502020204030204"/>
+              <a:ea typeface="+mn-ea"/>
+              <a:cs typeface="+mn-cs"/>
+            </a:endParaRPr>
+          </a:p>
+        </p:txBody>
+      </p:sp>
+      <p:pic>
+        <p:nvPicPr>
+          <p:cNvPr id="15" name="Picture 14">
+            <a:extLst>
+              <a:ext uri="{FF2B5EF4-FFF2-40B4-BE49-F238E27FC236}">
+                <a16:creationId xmlns:a16="http://schemas.microsoft.com/office/drawing/2014/main" id="{2897127E-6CEF-446C-BE87-93B7C46E49D1}"/>
+              </a:ext>
+              <a:ext uri="{C183D7F6-B498-43B3-948B-1728B52AA6E4}">
+                <adec:decorative xmlns:adec="http://schemas.microsoft.com/office/drawing/2017/decorative" val="1"/>
+              </a:ext>
+            </a:extLst>
+          </p:cNvPr>
+          <p:cNvPicPr>
+            <a:picLocks noGrp="1" noRot="1" noChangeAspect="1" noMove="1" noResize="1" noEditPoints="1" noAdjustHandles="1" noChangeArrowheads="1" noChangeShapeType="1" noCrop="1"/>
+          </p:cNvPicPr>
+          <p:nvPr>
+            <p:extLst>
+              <p:ext uri="{386F3935-93C4-4BCD-93E2-E3B085C9AB24}">
+                <p16:designElem xmlns:p16="http://schemas.microsoft.com/office/powerpoint/2015/main" val="1"/>
+              </p:ext>
+            </p:extLst>
+          </p:nvPr>
+        </p:nvPicPr>
+        <p:blipFill>
+          <a:blip r:embed="rId2">
+            <a:extLst>
+              <a:ext uri="{28A0092B-C50C-407E-A947-70E740481C1C}">
+                <a14:useLocalDpi xmlns:a14="http://schemas.microsoft.com/office/drawing/2010/main" val="0"/>
+              </a:ext>
+            </a:extLst>
+          </a:blip>
+          <a:stretch>
+            <a:fillRect/>
+          </a:stretch>
+        </p:blipFill>
+        <p:spPr>
+          <a:xfrm>
+            <a:off x="0" y="0"/>
+            <a:ext cx="12192000" cy="6858000"/>
+          </a:xfrm>
+          <a:prstGeom prst="rect">
+            <a:avLst/>
+          </a:prstGeom>
+        </p:spPr>
+      </p:pic>
+      <p:sp>
+        <p:nvSpPr>
+          <p:cNvPr id="5" name="Rectangle 4">
+            <a:extLst>
+              <a:ext uri="{FF2B5EF4-FFF2-40B4-BE49-F238E27FC236}">
+                <a16:creationId xmlns:a16="http://schemas.microsoft.com/office/drawing/2014/main" id="{573212B8-779B-4039-AF95-8AD0BDB9A84B}"/>
+              </a:ext>
+            </a:extLst>
+          </p:cNvPr>
+          <p:cNvSpPr/>
+          <p:nvPr/>
+        </p:nvSpPr>
+        <p:spPr>
+          <a:xfrm>
+            <a:off x="182451" y="2306446"/>
+            <a:ext cx="4996928" cy="2760098"/>
+          </a:xfrm>
+          <a:prstGeom prst="rect">
+            <a:avLst/>
+          </a:prstGeom>
+        </p:spPr>
+        <p:txBody>
+          <a:bodyPr vert="horz" lIns="91440" tIns="45720" rIns="91440" bIns="45720" rtlCol="0" anchor="ctr">
+            <a:normAutofit/>
+          </a:bodyPr>
+          <a:lstStyle/>
+          <a:p>
+            <a:pPr marL="0" marR="0" lvl="0" indent="0" algn="l" defTabSz="914400" rtl="0" eaLnBrk="1" fontAlgn="auto" latinLnBrk="0" hangingPunct="1">
+              <a:lnSpc>
+                <a:spcPct val="90000"/>
+              </a:lnSpc>
+              <a:spcBef>
+                <a:spcPct val="0"/>
+              </a:spcBef>
+              <a:spcAft>
+                <a:spcPts val="600"/>
+              </a:spcAft>
+              <a:buClrTx/>
+              <a:buSzTx/>
+              <a:buFontTx/>
+              <a:buNone/>
+              <a:tabLst/>
+              <a:defRPr/>
+            </a:pPr>
+            <a:r>
+              <a:rPr kumimoji="0" lang="en-US" sz="4400" b="1" i="0" u="none" strike="noStrike" kern="1200" cap="none" spc="0" normalizeH="0" baseline="0" noProof="0" dirty="0">
+                <a:ln>
+                  <a:noFill/>
+                </a:ln>
+                <a:solidFill>
+                  <a:prstClr val="white"/>
+                </a:solidFill>
+                <a:effectLst/>
+                <a:uLnTx/>
+                <a:uFillTx/>
+                <a:latin typeface="Calibri" panose="020F0502020204030204"/>
+                <a:ea typeface="+mn-ea"/>
+                <a:cs typeface="+mn-cs"/>
+              </a:rPr>
+              <a:t>Download/Extract Zip - TS POST APP</a:t>
+            </a:r>
+          </a:p>
+          <a:p>
+            <a:pPr marL="0" marR="0" lvl="0" indent="0" algn="l" defTabSz="914400" rtl="0" eaLnBrk="1" fontAlgn="auto" latinLnBrk="0" hangingPunct="1">
+              <a:lnSpc>
+                <a:spcPct val="90000"/>
+              </a:lnSpc>
+              <a:spcBef>
+                <a:spcPct val="0"/>
+              </a:spcBef>
+              <a:spcAft>
+                <a:spcPts val="600"/>
+              </a:spcAft>
+              <a:buClrTx/>
+              <a:buSzTx/>
+              <a:buFontTx/>
+              <a:buNone/>
+              <a:tabLst/>
+              <a:defRPr/>
+            </a:pPr>
+            <a:endParaRPr kumimoji="0" lang="en-US" sz="4400" b="1" i="0" u="none" strike="noStrike" kern="1200" cap="none" spc="0" normalizeH="0" baseline="0" noProof="0" dirty="0">
+              <a:ln>
+                <a:noFill/>
+              </a:ln>
+              <a:solidFill>
+                <a:srgbClr val="FFFFFF"/>
+              </a:solidFill>
+              <a:effectLst/>
+              <a:uLnTx/>
+              <a:uFillTx/>
+              <a:latin typeface="Calibri Light" panose="020F0302020204030204"/>
+              <a:ea typeface="+mn-ea"/>
+              <a:cs typeface="+mn-cs"/>
+            </a:endParaRPr>
+          </a:p>
+        </p:txBody>
+      </p:sp>
+      <p:sp>
+        <p:nvSpPr>
+          <p:cNvPr id="6" name="TextBox 5">
+            <a:extLst>
+              <a:ext uri="{FF2B5EF4-FFF2-40B4-BE49-F238E27FC236}">
+                <a16:creationId xmlns:a16="http://schemas.microsoft.com/office/drawing/2014/main" id="{889F9CB0-7165-4F8B-83EC-BF3B04AD23E7}"/>
+              </a:ext>
+            </a:extLst>
+          </p:cNvPr>
+          <p:cNvSpPr txBox="1"/>
+          <p:nvPr/>
+        </p:nvSpPr>
+        <p:spPr>
+          <a:xfrm>
+            <a:off x="5927439" y="801866"/>
+            <a:ext cx="6082110" cy="5230634"/>
+          </a:xfrm>
+          <a:prstGeom prst="rect">
+            <a:avLst/>
+          </a:prstGeom>
+        </p:spPr>
+        <p:txBody>
+          <a:bodyPr vert="horz" lIns="91440" tIns="45720" rIns="91440" bIns="45720" rtlCol="0" anchor="ctr">
+            <a:normAutofit/>
+          </a:bodyPr>
+          <a:lstStyle/>
+          <a:p>
+            <a:pPr marL="0" marR="0" lvl="0" indent="-228600" algn="l" defTabSz="914400" rtl="0" eaLnBrk="1" fontAlgn="auto" latinLnBrk="0" hangingPunct="1">
+              <a:lnSpc>
+                <a:spcPct val="90000"/>
+              </a:lnSpc>
+              <a:spcBef>
+                <a:spcPts val="0"/>
+              </a:spcBef>
+              <a:spcAft>
+                <a:spcPts val="600"/>
+              </a:spcAft>
+              <a:buClrTx/>
+              <a:buSzTx/>
+              <a:buFont typeface="Arial" panose="020B0604020202020204" pitchFamily="34" charset="0"/>
+              <a:buChar char="•"/>
+              <a:tabLst/>
+              <a:defRPr/>
+            </a:pPr>
+            <a:r>
+              <a:rPr kumimoji="0" lang="en-US" sz="4800" b="1" i="0" u="none" strike="noStrike" kern="1200" cap="none" spc="0" normalizeH="0" baseline="0" noProof="0" dirty="0">
+                <a:ln>
+                  <a:noFill/>
+                </a:ln>
+                <a:solidFill>
+                  <a:prstClr val="black"/>
+                </a:solidFill>
+                <a:effectLst/>
+                <a:uLnTx/>
+                <a:uFillTx/>
+                <a:latin typeface="Calibri" panose="020F0502020204030204"/>
+                <a:ea typeface="+mn-ea"/>
+                <a:cs typeface="+mn-cs"/>
+              </a:rPr>
+              <a:t>Download Here</a:t>
+            </a:r>
+            <a:r>
+              <a:rPr kumimoji="0" lang="en-US" sz="4800" b="1" i="0" u="none" strike="noStrike" kern="1200" cap="none" spc="0" normalizeH="0" baseline="0" noProof="0" dirty="0">
+                <a:ln>
+                  <a:noFill/>
+                </a:ln>
+                <a:solidFill>
+                  <a:srgbClr val="000000"/>
+                </a:solidFill>
+                <a:effectLst/>
+                <a:uLnTx/>
+                <a:uFillTx/>
+                <a:latin typeface="Calibri" panose="020F0502020204030204"/>
+                <a:ea typeface="+mn-ea"/>
+                <a:cs typeface="+mn-cs"/>
+              </a:rPr>
+              <a:t>:</a:t>
+            </a:r>
+          </a:p>
+          <a:p>
+            <a:pPr marL="0" marR="0" lvl="0" indent="-228600" algn="l" defTabSz="914400" rtl="0" eaLnBrk="1" fontAlgn="auto" latinLnBrk="0" hangingPunct="1">
+              <a:lnSpc>
+                <a:spcPct val="90000"/>
+              </a:lnSpc>
+              <a:spcBef>
+                <a:spcPts val="0"/>
+              </a:spcBef>
+              <a:spcAft>
+                <a:spcPts val="600"/>
+              </a:spcAft>
+              <a:buClrTx/>
+              <a:buSzTx/>
+              <a:buFont typeface="Arial" panose="020B0604020202020204" pitchFamily="34" charset="0"/>
+              <a:buChar char="•"/>
+              <a:tabLst/>
+              <a:defRPr/>
+            </a:pPr>
+            <a:endParaRPr kumimoji="0" lang="en-US" sz="4800" b="0" i="0" u="none" strike="noStrike" kern="1200" cap="none" spc="0" normalizeH="0" baseline="0" noProof="0" dirty="0">
+              <a:ln>
+                <a:noFill/>
+              </a:ln>
+              <a:solidFill>
+                <a:srgbClr val="000000"/>
+              </a:solidFill>
+              <a:effectLst/>
+              <a:uLnTx/>
+              <a:uFillTx/>
+              <a:latin typeface="Calibri" panose="020F0502020204030204"/>
+              <a:ea typeface="+mn-ea"/>
+              <a:cs typeface="+mn-cs"/>
+            </a:endParaRPr>
+          </a:p>
+          <a:p>
+            <a:pPr lvl="0"/>
+            <a:r>
+              <a:rPr kumimoji="0" lang="en-US" sz="4800" b="1" i="0" u="none" strike="noStrike" kern="1200" cap="none" spc="0" normalizeH="0" baseline="0" noProof="0" dirty="0">
+                <a:ln>
+                  <a:noFill/>
+                </a:ln>
+                <a:solidFill>
+                  <a:srgbClr val="0070C0"/>
+                </a:solidFill>
+                <a:effectLst/>
+                <a:uLnTx/>
+                <a:uFillTx/>
+                <a:latin typeface="Calibri" panose="020F0502020204030204"/>
+                <a:ea typeface="+mn-ea"/>
+                <a:cs typeface="+mn-cs"/>
+              </a:rPr>
+              <a:t>	</a:t>
+            </a:r>
+            <a:r>
+              <a:rPr lang="en-US" sz="4800" b="1" dirty="0">
+                <a:solidFill>
+                  <a:srgbClr val="0070C0"/>
+                </a:solidFill>
+              </a:rPr>
+              <a:t>t.ly/R9xGb</a:t>
+            </a:r>
+            <a:endParaRPr kumimoji="0" lang="en-US" sz="4800" b="1" i="0" u="none" strike="noStrike" kern="1200" cap="none" spc="0" normalizeH="0" baseline="0" noProof="0" dirty="0">
+              <a:ln>
+                <a:noFill/>
+              </a:ln>
+              <a:solidFill>
+                <a:srgbClr val="0070C0"/>
+              </a:solidFill>
+              <a:effectLst/>
+              <a:uLnTx/>
+              <a:uFillTx/>
+              <a:latin typeface="Calibri" panose="020F0502020204030204"/>
+              <a:ea typeface="+mn-ea"/>
+              <a:cs typeface="+mn-cs"/>
+            </a:endParaRPr>
+          </a:p>
+        </p:txBody>
+      </p:sp>
+    </p:spTree>
+    <p:extLst>
+      <p:ext uri="{BB962C8B-B14F-4D97-AF65-F5344CB8AC3E}">
+        <p14:creationId xmlns:p14="http://schemas.microsoft.com/office/powerpoint/2010/main" val="1311093953"/>
+      </p:ext>
+    </p:extLst>
+  </p:cSld>
+  <p:clrMapOvr>
+    <a:masterClrMapping/>
+  </p:clrMapOvr>
+</p:sld>
+</file>
+
 <file path=ppt/theme/theme1.xml><?xml version="1.0" encoding="utf-8"?>
 <a:theme xmlns:a="http://schemas.openxmlformats.org/drawingml/2006/main" name="Office Theme">
   <a:themeElements>
